--- a/inst/resources/templateUNHCR.pptx
+++ b/inst/resources/templateUNHCR.pptx
@@ -215,7 +215,7 @@
           <a:p>
             <a:fld id="{468012B1-E1DC-4352-8B1C-5C2DD5160B3B}" type="datetimeFigureOut">
               <a:rPr lang="en-US" smtClean="0"/>
-              <a:t>16-Nov-20</a:t>
+              <a:t>2/7/2021</a:t>
             </a:fld>
             <a:endParaRPr lang="en-US"/>
           </a:p>
@@ -392,7 +392,7 @@
           <a:p>
             <a:fld id="{F3696079-EBA5-8C41-96F3-032D52D44482}" type="datetimeFigureOut">
               <a:rPr lang="en-US" smtClean="0"/>
-              <a:t>16-Nov-20</a:t>
+              <a:t>2/7/2021</a:t>
             </a:fld>
             <a:endParaRPr lang="en-US"/>
           </a:p>
@@ -749,7 +749,7 @@
     <p:bg>
       <p:bgPr>
         <a:solidFill>
-          <a:srgbClr val="0072BC"/>
+          <a:srgbClr val="00AAAD"/>
         </a:solidFill>
         <a:effectLst/>
       </p:bgPr>
@@ -794,7 +794,7 @@
                 <a:solidFill>
                   <a:srgbClr val="FFFFFF"/>
                 </a:solidFill>
-                <a:latin typeface="Arial" panose="020B0604020202020204" pitchFamily="34" charset="0"/>
+                <a:latin typeface="+mn-lt"/>
                 <a:cs typeface="Arial" panose="020B0604020202020204" pitchFamily="34" charset="0"/>
               </a:defRPr>
             </a:lvl1pPr>
@@ -834,7 +834,7 @@
                 <a:solidFill>
                   <a:srgbClr val="FFFF00"/>
                 </a:solidFill>
-                <a:latin typeface="Arial" panose="020B0604020202020204" pitchFamily="34" charset="0"/>
+                <a:latin typeface="+mn-lt"/>
                 <a:cs typeface="Arial" panose="020B0604020202020204" pitchFamily="34" charset="0"/>
               </a:defRPr>
             </a:lvl1pPr>
@@ -933,9 +933,9 @@
             <a:lvl1pPr>
               <a:defRPr sz="2800" b="1">
                 <a:solidFill>
-                  <a:srgbClr val="0072BC"/>
+                  <a:srgbClr val="00AAAD"/>
                 </a:solidFill>
-                <a:latin typeface="Arial" panose="020B0604020202020204" pitchFamily="34" charset="0"/>
+                <a:latin typeface="+mn-lt"/>
                 <a:cs typeface="Arial" panose="020B0604020202020204" pitchFamily="34" charset="0"/>
               </a:defRPr>
             </a:lvl1pPr>
@@ -1134,8 +1134,9 @@
             <a:lvl1pPr algn="l">
               <a:defRPr sz="6000">
                 <a:solidFill>
-                  <a:srgbClr val="0072BC"/>
+                  <a:srgbClr val="00AAAD"/>
                 </a:solidFill>
+                <a:latin typeface="+mn-lt"/>
               </a:defRPr>
             </a:lvl1pPr>
           </a:lstStyle>
@@ -1174,7 +1175,7 @@
                 <a:solidFill>
                   <a:schemeClr val="bg1"/>
                 </a:solidFill>
-                <a:latin typeface="Arial" panose="020B0604020202020204" pitchFamily="34" charset="0"/>
+                <a:latin typeface="+mn-lt"/>
                 <a:cs typeface="Arial" panose="020B0604020202020204" pitchFamily="34" charset="0"/>
               </a:defRPr>
             </a:lvl1pPr>
@@ -1320,9 +1321,9 @@
             <a:lvl1pPr>
               <a:defRPr>
                 <a:solidFill>
-                  <a:srgbClr val="0072BC"/>
+                  <a:srgbClr val="00AAAD"/>
                 </a:solidFill>
-                <a:latin typeface="Arial" panose="020B0604020202020204" pitchFamily="34" charset="0"/>
+                <a:latin typeface="+mn-lt"/>
                 <a:cs typeface="Arial" panose="020B0604020202020204" pitchFamily="34" charset="0"/>
               </a:defRPr>
             </a:lvl1pPr>
@@ -1353,7 +1354,33 @@
         </p:spPr>
         <p:txBody>
           <a:bodyPr/>
-          <a:lstStyle/>
+          <a:lstStyle>
+            <a:lvl1pPr>
+              <a:defRPr>
+                <a:latin typeface="+mn-lt"/>
+              </a:defRPr>
+            </a:lvl1pPr>
+            <a:lvl2pPr>
+              <a:defRPr>
+                <a:latin typeface="+mn-lt"/>
+              </a:defRPr>
+            </a:lvl2pPr>
+            <a:lvl3pPr>
+              <a:defRPr>
+                <a:latin typeface="+mn-lt"/>
+              </a:defRPr>
+            </a:lvl3pPr>
+            <a:lvl4pPr>
+              <a:defRPr>
+                <a:latin typeface="+mn-lt"/>
+              </a:defRPr>
+            </a:lvl4pPr>
+            <a:lvl5pPr>
+              <a:defRPr>
+                <a:latin typeface="+mn-lt"/>
+              </a:defRPr>
+            </a:lvl5pPr>
+          </a:lstStyle>
           <a:p>
             <a:pPr lvl="0"/>
             <a:r>
@@ -1511,9 +1538,23 @@
           <a:lstStyle/>
           <a:p>
             <a:r>
-              <a:rPr lang="en-US" dirty="0"/>
+              <a:rPr kumimoji="0" lang="en-US" sz="3300" b="0" i="0" u="none" strike="noStrike" kern="1200" cap="none" spc="0" normalizeH="0" baseline="0" noProof="0" dirty="0">
+                <a:ln>
+                  <a:noFill/>
+                </a:ln>
+                <a:solidFill>
+                  <a:srgbClr val="00AAAC"/>
+                </a:solidFill>
+                <a:effectLst/>
+                <a:uLnTx/>
+                <a:uFillTx/>
+                <a:latin typeface="Calibri" panose="020F0502020204030204"/>
+                <a:ea typeface="+mj-ea"/>
+                <a:cs typeface="+mj-cs"/>
+              </a:rPr>
               <a:t>Click to edit Master title style</a:t>
             </a:r>
+            <a:endParaRPr lang="en-US" dirty="0"/>
           </a:p>
         </p:txBody>
       </p:sp>
@@ -1580,10 +1621,10 @@
       </p:sp>
       <p:pic>
         <p:nvPicPr>
-          <p:cNvPr id="4" name="Picture 3" descr="bluestripe.png">
+          <p:cNvPr id="5" name="Graphic 4">
             <a:extLst>
               <a:ext uri="{FF2B5EF4-FFF2-40B4-BE49-F238E27FC236}">
-                <a16:creationId xmlns:a16="http://schemas.microsoft.com/office/drawing/2014/main" id="{AC18CDEE-1BCD-4406-9A25-7B7B3349CBE9}"/>
+                <a16:creationId xmlns:a16="http://schemas.microsoft.com/office/drawing/2014/main" id="{36F084AB-2CF6-4AF5-8509-4C7B7E5BD4CB}"/>
               </a:ext>
             </a:extLst>
           </p:cNvPr>
@@ -1595,8 +1636,8 @@
         <p:blipFill>
           <a:blip r:embed="rId6">
             <a:extLst>
-              <a:ext uri="{28A0092B-C50C-407E-A947-70E740481C1C}">
-                <a14:useLocalDpi xmlns:a14="http://schemas.microsoft.com/office/drawing/2010/main" val="0"/>
+              <a:ext uri="{96DAC541-7B7A-43D3-8B79-37D633B846F1}">
+                <asvg:svgBlip xmlns:asvg="http://schemas.microsoft.com/office/drawing/2016/SVG/main" r:embed="rId7"/>
               </a:ext>
             </a:extLst>
           </a:blip>
@@ -1606,8 +1647,8 @@
         </p:blipFill>
         <p:spPr>
           <a:xfrm>
-            <a:off x="0" y="5985164"/>
-            <a:ext cx="12192000" cy="891423"/>
+            <a:off x="0" y="6016625"/>
+            <a:ext cx="12192000" cy="841375"/>
           </a:xfrm>
           <a:prstGeom prst="rect">
             <a:avLst/>
@@ -1667,7 +1708,7 @@
           <a:solidFill>
             <a:srgbClr val="404040"/>
           </a:solidFill>
-          <a:latin typeface="Arial" panose="020B0604020202020204" pitchFamily="34" charset="0"/>
+          <a:latin typeface="+mn-lt"/>
           <a:ea typeface="+mn-ea"/>
           <a:cs typeface="Arial" panose="020B0604020202020204" pitchFamily="34" charset="0"/>
         </a:defRPr>
@@ -1688,7 +1729,7 @@
           <a:solidFill>
             <a:srgbClr val="404040"/>
           </a:solidFill>
-          <a:latin typeface="Arial" panose="020B0604020202020204" pitchFamily="34" charset="0"/>
+          <a:latin typeface="+mn-lt"/>
           <a:ea typeface="+mn-ea"/>
           <a:cs typeface="Arial" panose="020B0604020202020204" pitchFamily="34" charset="0"/>
         </a:defRPr>
@@ -1709,7 +1750,7 @@
           <a:solidFill>
             <a:srgbClr val="404040"/>
           </a:solidFill>
-          <a:latin typeface="Arial" panose="020B0604020202020204" pitchFamily="34" charset="0"/>
+          <a:latin typeface="+mn-lt"/>
           <a:ea typeface="+mn-ea"/>
           <a:cs typeface="Arial" panose="020B0604020202020204" pitchFamily="34" charset="0"/>
         </a:defRPr>
@@ -1730,7 +1771,7 @@
           <a:solidFill>
             <a:srgbClr val="404040"/>
           </a:solidFill>
-          <a:latin typeface="Arial" panose="020B0604020202020204" pitchFamily="34" charset="0"/>
+          <a:latin typeface="+mn-lt"/>
           <a:ea typeface="+mn-ea"/>
           <a:cs typeface="Arial" panose="020B0604020202020204" pitchFamily="34" charset="0"/>
         </a:defRPr>
@@ -1748,7 +1789,7 @@
           <a:solidFill>
             <a:srgbClr val="404040"/>
           </a:solidFill>
-          <a:latin typeface="Arial" panose="020B0604020202020204" pitchFamily="34" charset="0"/>
+          <a:latin typeface="+mn-lt"/>
           <a:ea typeface="+mn-ea"/>
           <a:cs typeface="Arial" panose="020B0604020202020204" pitchFamily="34" charset="0"/>
         </a:defRPr>

--- a/inst/resources/templateUNHCR.pptx
+++ b/inst/resources/templateUNHCR.pptx
@@ -215,7 +215,7 @@
           <a:p>
             <a:fld id="{468012B1-E1DC-4352-8B1C-5C2DD5160B3B}" type="datetimeFigureOut">
               <a:rPr lang="en-US" smtClean="0"/>
-              <a:t>2/7/2021</a:t>
+              <a:t>2/9/2021</a:t>
             </a:fld>
             <a:endParaRPr lang="en-US"/>
           </a:p>
@@ -392,7 +392,7 @@
           <a:p>
             <a:fld id="{F3696079-EBA5-8C41-96F3-032D52D44482}" type="datetimeFigureOut">
               <a:rPr lang="en-US" smtClean="0"/>
-              <a:t>2/7/2021</a:t>
+              <a:t>2/9/2021</a:t>
             </a:fld>
             <a:endParaRPr lang="en-US"/>
           </a:p>
@@ -970,26 +970,31 @@
             <a:lvl1pPr>
               <a:defRPr>
                 <a:latin typeface="+mn-lt"/>
+                <a:cs typeface="Arial" panose="020B0604020202020204" pitchFamily="34" charset="0"/>
               </a:defRPr>
             </a:lvl1pPr>
             <a:lvl2pPr>
               <a:defRPr>
                 <a:latin typeface="+mn-lt"/>
+                <a:cs typeface="Arial" panose="020B0604020202020204" pitchFamily="34" charset="0"/>
               </a:defRPr>
             </a:lvl2pPr>
             <a:lvl3pPr>
               <a:defRPr>
                 <a:latin typeface="+mn-lt"/>
+                <a:cs typeface="Arial" panose="020B0604020202020204" pitchFamily="34" charset="0"/>
               </a:defRPr>
             </a:lvl3pPr>
             <a:lvl4pPr>
               <a:defRPr>
                 <a:latin typeface="+mn-lt"/>
+                <a:cs typeface="Arial" panose="020B0604020202020204" pitchFamily="34" charset="0"/>
               </a:defRPr>
             </a:lvl4pPr>
             <a:lvl5pPr>
               <a:defRPr>
                 <a:latin typeface="+mn-lt"/>
+                <a:cs typeface="Arial" panose="020B0604020202020204" pitchFamily="34" charset="0"/>
               </a:defRPr>
             </a:lvl5pPr>
           </a:lstStyle>
@@ -1699,7 +1704,7 @@
           <a:spcPts val="1000"/>
         </a:spcBef>
         <a:buClr>
-          <a:srgbClr val="0072BC"/>
+          <a:srgbClr val="00AAAD"/>
         </a:buClr>
         <a:buSzPct val="120000"/>
         <a:buFont typeface="Arial" panose="020B0604020202020204" pitchFamily="34" charset="0"/>
@@ -1721,7 +1726,7 @@
           <a:spcPts val="500"/>
         </a:spcBef>
         <a:buClr>
-          <a:srgbClr val="0072BC"/>
+          <a:srgbClr val="00AAAD"/>
         </a:buClr>
         <a:buFont typeface="Arial" panose="020B0604020202020204" pitchFamily="34" charset="0"/>
         <a:buChar char="•"/>
@@ -1742,7 +1747,7 @@
           <a:spcPts val="500"/>
         </a:spcBef>
         <a:buClr>
-          <a:srgbClr val="0072BC"/>
+          <a:srgbClr val="00AAAD"/>
         </a:buClr>
         <a:buFont typeface="Arial" panose="020B0604020202020204" pitchFamily="34" charset="0"/>
         <a:buChar char="•"/>
@@ -1763,7 +1768,7 @@
           <a:spcPts val="500"/>
         </a:spcBef>
         <a:buClr>
-          <a:srgbClr val="0072BC"/>
+          <a:srgbClr val="00AAAD"/>
         </a:buClr>
         <a:buFont typeface="Arial" panose="020B0604020202020204" pitchFamily="34" charset="0"/>
         <a:buChar char="•"/>
@@ -1783,6 +1788,9 @@
         <a:spcBef>
           <a:spcPts val="500"/>
         </a:spcBef>
+        <a:buClr>
+          <a:srgbClr val="00AAAD"/>
+        </a:buClr>
         <a:buFont typeface="Arial" panose="020B0604020202020204" pitchFamily="34" charset="0"/>
         <a:buChar char="•"/>
         <a:defRPr sz="1800" b="0" i="0" kern="1200">

--- a/inst/resources/templateUNHCR.pptx
+++ b/inst/resources/templateUNHCR.pptx
@@ -781,7 +781,7 @@
         <p:spPr>
           <a:xfrm>
             <a:off x="741145" y="760396"/>
-            <a:ext cx="11030552" cy="3072694"/>
+            <a:ext cx="11030552" cy="1899677"/>
           </a:xfrm>
         </p:spPr>
         <p:txBody>
@@ -819,7 +819,7 @@
         </p:nvSpPr>
         <p:spPr>
           <a:xfrm>
-            <a:off x="1424539" y="4360244"/>
+            <a:off x="1424539" y="3761728"/>
             <a:ext cx="10347158" cy="1353928"/>
           </a:xfrm>
         </p:spPr>
@@ -879,6 +879,36 @@
           </a:p>
         </p:txBody>
       </p:sp>
+      <p:pic>
+        <p:nvPicPr>
+          <p:cNvPr id="5" name="Picture 4" descr="Text&#10;&#10;Description automatically generated">
+            <a:extLst>
+              <a:ext uri="{FF2B5EF4-FFF2-40B4-BE49-F238E27FC236}">
+                <a16:creationId xmlns:a16="http://schemas.microsoft.com/office/drawing/2014/main" id="{2E81ACFD-7ECE-4EE1-AA07-838DC1EB7031}"/>
+              </a:ext>
+            </a:extLst>
+          </p:cNvPr>
+          <p:cNvPicPr>
+            <a:picLocks noChangeAspect="1"/>
+          </p:cNvPicPr>
+          <p:nvPr userDrawn="1"/>
+        </p:nvPicPr>
+        <p:blipFill>
+          <a:blip r:embed="rId2"/>
+          <a:stretch>
+            <a:fillRect/>
+          </a:stretch>
+        </p:blipFill>
+        <p:spPr>
+          <a:xfrm>
+            <a:off x="419730" y="5238406"/>
+            <a:ext cx="4806788" cy="1506639"/>
+          </a:xfrm>
+          <a:prstGeom prst="rect">
+            <a:avLst/>
+          </a:prstGeom>
+        </p:spPr>
+      </p:pic>
     </p:spTree>
     <p:extLst>
       <p:ext uri="{BB962C8B-B14F-4D97-AF65-F5344CB8AC3E}">
@@ -1626,10 +1656,10 @@
       </p:sp>
       <p:pic>
         <p:nvPicPr>
-          <p:cNvPr id="5" name="Graphic 4">
+          <p:cNvPr id="6" name="Picture 5" descr="Text&#10;&#10;Description automatically generated">
             <a:extLst>
               <a:ext uri="{FF2B5EF4-FFF2-40B4-BE49-F238E27FC236}">
-                <a16:creationId xmlns:a16="http://schemas.microsoft.com/office/drawing/2014/main" id="{36F084AB-2CF6-4AF5-8509-4C7B7E5BD4CB}"/>
+                <a16:creationId xmlns:a16="http://schemas.microsoft.com/office/drawing/2014/main" id="{DC96008B-5C16-4162-86FA-B9DC4AB9AFB8}"/>
               </a:ext>
             </a:extLst>
           </p:cNvPr>
@@ -1639,21 +1669,15 @@
           <p:nvPr userDrawn="1"/>
         </p:nvPicPr>
         <p:blipFill>
-          <a:blip r:embed="rId6">
-            <a:extLst>
-              <a:ext uri="{96DAC541-7B7A-43D3-8B79-37D633B846F1}">
-                <asvg:svgBlip xmlns:asvg="http://schemas.microsoft.com/office/drawing/2016/SVG/main" r:embed="rId7"/>
-              </a:ext>
-            </a:extLst>
-          </a:blip>
+          <a:blip r:embed="rId6"/>
           <a:stretch>
             <a:fillRect/>
           </a:stretch>
         </p:blipFill>
         <p:spPr>
           <a:xfrm>
-            <a:off x="0" y="6016625"/>
-            <a:ext cx="12192000" cy="841375"/>
+            <a:off x="9803456" y="6054291"/>
+            <a:ext cx="2157635" cy="676289"/>
           </a:xfrm>
           <a:prstGeom prst="rect">
             <a:avLst/>
